--- a/Apoyo tarea Hipótesis.pptx
+++ b/Apoyo tarea Hipótesis.pptx
@@ -1525,16 +1525,7 @@
                 </a:solidFill>
                 <a:latin typeface="Calibri Light"/>
               </a:rPr>
-              <a:t>Haga clic para modificar el estilo de </a:t>
-            </a:r>
-            <a:r>
-              <a:rPr b="0" lang="es-ES" sz="4400" spc="-1" strike="noStrike">
-                <a:solidFill>
-                  <a:srgbClr val="000000"/>
-                </a:solidFill>
-                <a:latin typeface="Calibri Light"/>
-              </a:rPr>
-              <a:t>título del patrón</a:t>
+              <a:t>Haga clic para modificar el estilo de título del patrón</a:t>
             </a:r>
             <a:endParaRPr b="0" lang="es-ES" sz="4400" spc="-1" strike="noStrike">
               <a:solidFill>
@@ -1749,7 +1740,7 @@
                 <a:spcPct val="100000"/>
               </a:lnSpc>
             </a:pPr>
-            <a:fld id="{EDD87F09-5828-4959-9A55-B745CD1DB314}" type="datetime">
+            <a:fld id="{8019FF82-172D-4EB0-BFCD-EE9298EBF0DE}" type="datetime">
               <a:rPr b="0" lang="es-ES" sz="1200" spc="-1" strike="noStrike">
                 <a:solidFill>
                   <a:srgbClr val="8b8b8b"/>
@@ -1823,7 +1814,7 @@
                 <a:spcPct val="100000"/>
               </a:lnSpc>
             </a:pPr>
-            <a:fld id="{7D2C3E0C-C403-4004-8BEC-C46A9BEF5AC8}" type="slidenum">
+            <a:fld id="{11BAAD1A-5B5A-4D83-928E-53848CF59B4D}" type="slidenum">
               <a:rPr b="0" lang="es-ES" sz="1200" spc="-1" strike="noStrike">
                 <a:solidFill>
                   <a:srgbClr val="8b8b8b"/>
@@ -2584,7 +2575,7 @@
                         <a:rPr b="0" lang="en-US" sz="1800" spc="-1" strike="noStrike">
                           <a:latin typeface="Arial"/>
                         </a:rPr>
-                        <a:t>Cotizador automático de impresiones 3D</a:t>
+                        <a:t>impresiones 3D</a:t>
                       </a:r>
                       <a:endParaRPr b="0" lang="en-US" sz="1800" spc="-1" strike="noStrike">
                         <a:latin typeface="Arial"/>
@@ -2680,7 +2671,7 @@
                         <a:rPr b="0" lang="en-US" sz="1800" spc="-1" strike="noStrike">
                           <a:latin typeface="Arial"/>
                         </a:rPr>
-                        <a:t>En el servicio de impresión 3D es necesario realizar una simulación del proceso para estimar un costo y así el cliente decida su compra, sin embargo la cantidad de tiempo invertido en ese proceso y el porcentaje de cotizaciones que se convierten en ventas suponen una perdida de tiempo.</a:t>
+                        <a:t>En el servicio de impresión 3D es necesario realizar una simulación del proceso para estimar un costo y así el cliente decida su compra, sin embargo la cantidad de tiempo invertido en ese proceso y el porcentaje de cotizaciones que se convierten en ventas suponen una perdida de tiempo y dinero.</a:t>
                       </a:r>
                       <a:endParaRPr b="0" lang="en-US" sz="1800" spc="-1" strike="noStrike">
                         <a:latin typeface="Arial"/>
@@ -3055,6 +3046,22 @@
                   </a:tcPr>
                 </a:tc>
                 <a:tc>
+                  <a:txBody>
+                    <a:bodyPr lIns="9720" rIns="9720" tIns="5400" bIns="0" anchor="ctr">
+                      <a:noAutofit/>
+                    </a:bodyPr>
+                    <a:p>
+                      <a:r>
+                        <a:rPr b="0" lang="en-US" sz="1800" spc="-1" strike="noStrike">
+                          <a:latin typeface="Arial"/>
+                        </a:rPr>
+                        <a:t>Optimización de tiempos de atención a cotizaciones de impresión 3D usando chatbots</a:t>
+                      </a:r>
+                      <a:endParaRPr b="0" lang="en-US" sz="1800" spc="-1" strike="noStrike">
+                        <a:latin typeface="Arial"/>
+                      </a:endParaRPr>
+                    </a:p>
+                  </a:txBody>
                   <a:tcPr marL="9720" marR="9720">
                     <a:lnL w="12240">
                       <a:solidFill>
@@ -3135,6 +3142,22 @@
                   </a:tcPr>
                 </a:tc>
                 <a:tc>
+                  <a:txBody>
+                    <a:bodyPr lIns="9720" rIns="9720" tIns="5400" bIns="0" anchor="ctr">
+                      <a:noAutofit/>
+                    </a:bodyPr>
+                    <a:p>
+                      <a:r>
+                        <a:rPr b="1" lang="en-US" sz="1800" spc="-1" strike="noStrike">
+                          <a:latin typeface="Arial"/>
+                        </a:rPr>
+                        <a:t>Uso de chatbots para atención automatizada de impresiones 3D</a:t>
+                      </a:r>
+                      <a:endParaRPr b="1" lang="en-US" sz="1800" spc="-1" strike="noStrike">
+                        <a:latin typeface="Arial"/>
+                      </a:endParaRPr>
+                    </a:p>
+                  </a:txBody>
                   <a:tcPr marL="9720" marR="9720">
                     <a:lnL w="12240">
                       <a:solidFill>
@@ -3232,7 +3255,16 @@
                 </a:solidFill>
                 <a:latin typeface="Calibri Light"/>
               </a:rPr>
-              <a:t>Matriz operacional</a:t>
+              <a:t>Matriz </a:t>
+            </a:r>
+            <a:r>
+              <a:rPr b="1" lang="es-MX" sz="4400" spc="-1" strike="noStrike">
+                <a:solidFill>
+                  <a:srgbClr val="000000"/>
+                </a:solidFill>
+                <a:latin typeface="Calibri Light"/>
+              </a:rPr>
+              <a:t>operacional</a:t>
             </a:r>
             <a:br/>
             <a:r>
@@ -3242,7 +3274,43 @@
                 </a:solidFill>
                 <a:latin typeface="Calibri Light"/>
               </a:rPr>
-              <a:t>Matriz de consistencia metodológica </a:t>
+              <a:t>Matriz de </a:t>
+            </a:r>
+            <a:r>
+              <a:rPr b="1" lang="es-MX" sz="4400" spc="-1" strike="noStrike">
+                <a:solidFill>
+                  <a:srgbClr val="000000"/>
+                </a:solidFill>
+                <a:latin typeface="Calibri Light"/>
+              </a:rPr>
+              <a:t>consistenci</a:t>
+            </a:r>
+            <a:r>
+              <a:rPr b="1" lang="es-MX" sz="4400" spc="-1" strike="noStrike">
+                <a:solidFill>
+                  <a:srgbClr val="000000"/>
+                </a:solidFill>
+                <a:latin typeface="Calibri Light"/>
+              </a:rPr>
+              <a:t>a </a:t>
+            </a:r>
+            <a:r>
+              <a:rPr b="1" lang="es-MX" sz="4400" spc="-1" strike="noStrike">
+                <a:solidFill>
+                  <a:srgbClr val="000000"/>
+                </a:solidFill>
+                <a:latin typeface="Calibri Light"/>
+              </a:rPr>
+              <a:t>metodológi</a:t>
+            </a:r>
+            <a:r>
+              <a:rPr b="1" lang="es-MX" sz="4400" spc="-1" strike="noStrike">
+                <a:solidFill>
+                  <a:srgbClr val="000000"/>
+                </a:solidFill>
+                <a:latin typeface="Calibri Light"/>
+              </a:rPr>
+              <a:t>ca </a:t>
             </a:r>
             <a:endParaRPr b="0" lang="es-ES" sz="4400" spc="-1" strike="noStrike">
               <a:solidFill>
@@ -3261,7 +3329,7 @@
         </p:nvGraphicFramePr>
         <p:xfrm>
           <a:off x="838080" y="1825560"/>
-          <a:ext cx="10515240" cy="1854000"/>
+          <a:ext cx="10514880" cy="4026600"/>
         </p:xfrm>
         <a:graphic>
           <a:graphicData uri="http://schemas.openxmlformats.org/drawingml/2006/table">
@@ -3479,7 +3547,7 @@
                   </a:tcPr>
                 </a:tc>
               </a:tr>
-              <a:tr h="887760">
+              <a:tr h="1418400">
                 <a:tc>
                   <a:txBody>
                     <a:bodyPr>
@@ -3498,28 +3566,8 @@
                           </a:solidFill>
                           <a:latin typeface="Calibri"/>
                         </a:rPr>
-                        <a:t>General</a:t>
+                        <a:t>¿Es viable utilizar los chatbots en la optimizaciónde cotizaciones de impresiones 3d?</a:t>
                       </a:r>
-                      <a:endParaRPr b="0" lang="en-US" sz="1800" spc="-1" strike="noStrike">
-                        <a:latin typeface="Arial"/>
-                      </a:endParaRPr>
-                    </a:p>
-                    <a:p>
-                      <a:pPr>
-                        <a:lnSpc>
-                          <a:spcPct val="100000"/>
-                        </a:lnSpc>
-                      </a:pPr>
-                      <a:endParaRPr b="0" lang="en-US" sz="1800" spc="-1" strike="noStrike">
-                        <a:latin typeface="Arial"/>
-                      </a:endParaRPr>
-                    </a:p>
-                    <a:p>
-                      <a:pPr>
-                        <a:lnSpc>
-                          <a:spcPct val="100000"/>
-                        </a:lnSpc>
-                      </a:pPr>
                       <a:endParaRPr b="0" lang="en-US" sz="1800" spc="-1" strike="noStrike">
                         <a:latin typeface="Arial"/>
                       </a:endParaRPr>
@@ -3569,7 +3617,7 @@
                           </a:solidFill>
                           <a:latin typeface="Calibri"/>
                         </a:rPr>
-                        <a:t>General</a:t>
+                        <a:t>Demostrar que los chatbots ahorran tiempo en la cotización</a:t>
                       </a:r>
                       <a:endParaRPr b="0" lang="en-US" sz="1800" spc="-1" strike="noStrike">
                         <a:latin typeface="Arial"/>
@@ -3603,6 +3651,22 @@
                   </a:tcPr>
                 </a:tc>
                 <a:tc>
+                  <a:txBody>
+                    <a:bodyPr>
+                      <a:noAutofit/>
+                    </a:bodyPr>
+                    <a:p>
+                      <a:r>
+                        <a:rPr b="0" lang="en-US" sz="1800" spc="-1" strike="noStrike">
+                          <a:latin typeface="Arial"/>
+                        </a:rPr>
+                        <a:t>La implementación de herramientas atomatizadas pueden ahorrar tiempo en el flujo de trabajo de las impresiones 3D.</a:t>
+                      </a:r>
+                      <a:endParaRPr b="0" lang="en-US" sz="1800" spc="-1" strike="noStrike">
+                        <a:latin typeface="Arial"/>
+                      </a:endParaRPr>
+                    </a:p>
+                  </a:txBody>
                   <a:tcPr marL="91440" marR="91440">
                     <a:lnL w="12240">
                       <a:solidFill>
@@ -3630,6 +3694,33 @@
                   </a:tcPr>
                 </a:tc>
                 <a:tc>
+                  <a:txBody>
+                    <a:bodyPr>
+                      <a:noAutofit/>
+                    </a:bodyPr>
+                    <a:p>
+                      <a:r>
+                        <a:rPr b="0" lang="en-US" sz="1800" spc="-1" strike="noStrike">
+                          <a:latin typeface="Arial"/>
+                        </a:rPr>
+                        <a:t>Descriptivas: Pametros y flujo de trabajo en impresión 3D.</a:t>
+                      </a:r>
+                      <a:endParaRPr b="0" lang="en-US" sz="1800" spc="-1" strike="noStrike">
+                        <a:latin typeface="Arial"/>
+                      </a:endParaRPr>
+                    </a:p>
+                    <a:p>
+                      <a:r>
+                        <a:rPr b="0" lang="en-US" sz="1800" spc="-1" strike="noStrike">
+                          <a:latin typeface="Arial"/>
+                        </a:rPr>
+                        <a:t>Correlacionales: Tiempo, costo</a:t>
+                      </a:r>
+                      <a:endParaRPr b="0" lang="en-US" sz="1800" spc="-1" strike="noStrike">
+                        <a:latin typeface="Arial"/>
+                      </a:endParaRPr>
+                    </a:p>
+                  </a:txBody>
                   <a:tcPr marL="91440" marR="91440">
                     <a:lnL w="12240">
                       <a:solidFill>
@@ -3657,7 +3748,7 @@
                   </a:tcPr>
                 </a:tc>
               </a:tr>
-              <a:tr h="887760">
+              <a:tr h="1949040">
                 <a:tc>
                   <a:txBody>
                     <a:bodyPr>
@@ -3679,7 +3770,7 @@
                           </a:solidFill>
                           <a:latin typeface="Calibri"/>
                         </a:rPr>
-                        <a:t>Específica</a:t>
+                        <a:t>¿Se pueden comparar las cotizaciones manuales por automatizadas?</a:t>
                       </a:r>
                       <a:endParaRPr b="0" lang="en-US" sz="1800" spc="-1" strike="noStrike">
                         <a:latin typeface="Arial"/>
@@ -3756,7 +3847,7 @@
                           </a:solidFill>
                           <a:latin typeface="Calibri"/>
                         </a:rPr>
-                        <a:t>Específico</a:t>
+                        <a:t>Sentar las bases para que ambos procesos sean valorados igual, usando los mismos parametros.</a:t>
                       </a:r>
                       <a:endParaRPr b="0" lang="en-US" sz="1800" spc="-1" strike="noStrike">
                         <a:latin typeface="Arial"/>
@@ -3790,110 +3881,17 @@
                   </a:tcPr>
                 </a:tc>
                 <a:tc>
-                  <a:tcPr marL="91440" marR="91440">
-                    <a:lnL w="12240">
-                      <a:solidFill>
-                        <a:srgbClr val="ffffff"/>
-                      </a:solidFill>
-                    </a:lnL>
-                    <a:lnR w="12240">
-                      <a:solidFill>
-                        <a:srgbClr val="ffffff"/>
-                      </a:solidFill>
-                    </a:lnR>
-                    <a:lnT w="12240">
-                      <a:solidFill>
-                        <a:srgbClr val="ffffff"/>
-                      </a:solidFill>
-                    </a:lnT>
-                    <a:lnB w="12240">
-                      <a:solidFill>
-                        <a:srgbClr val="ffffff"/>
-                      </a:solidFill>
-                    </a:lnB>
-                    <a:solidFill>
-                      <a:srgbClr val="e9eff7"/>
-                    </a:solidFill>
-                  </a:tcPr>
-                </a:tc>
-                <a:tc>
-                  <a:tcPr marL="91440" marR="91440">
-                    <a:lnL w="12240">
-                      <a:solidFill>
-                        <a:srgbClr val="ffffff"/>
-                      </a:solidFill>
-                    </a:lnL>
-                    <a:lnR w="12240">
-                      <a:solidFill>
-                        <a:srgbClr val="ffffff"/>
-                      </a:solidFill>
-                    </a:lnR>
-                    <a:lnT w="12240">
-                      <a:solidFill>
-                        <a:srgbClr val="ffffff"/>
-                      </a:solidFill>
-                    </a:lnT>
-                    <a:lnB w="12240">
-                      <a:solidFill>
-                        <a:srgbClr val="ffffff"/>
-                      </a:solidFill>
-                    </a:lnB>
-                    <a:solidFill>
-                      <a:srgbClr val="e9eff7"/>
-                    </a:solidFill>
-                  </a:tcPr>
-                </a:tc>
-              </a:tr>
-              <a:tr h="887760">
-                <a:tc>
                   <a:txBody>
                     <a:bodyPr>
                       <a:noAutofit/>
                     </a:bodyPr>
                     <a:p>
-                      <a:pPr>
-                        <a:lnSpc>
-                          <a:spcPct val="100000"/>
-                        </a:lnSpc>
-                        <a:tabLst>
-                          <a:tab algn="l" pos="0"/>
-                        </a:tabLst>
-                      </a:pPr>
                       <a:r>
-                        <a:rPr b="1" lang="es-MX" sz="1800" spc="-1" strike="noStrike">
-                          <a:solidFill>
-                            <a:srgbClr val="000000"/>
-                          </a:solidFill>
-                          <a:latin typeface="Calibri"/>
+                        <a:rPr b="0" lang="en-US" sz="1800" spc="-1" strike="noStrike">
+                          <a:latin typeface="Arial"/>
                         </a:rPr>
-                        <a:t>Específica</a:t>
+                        <a:t>El proceso automatizado puede entregar el mismo resultado de costos que la cotización manual en menos tiempo.</a:t>
                       </a:r>
-                      <a:endParaRPr b="0" lang="en-US" sz="1800" spc="-1" strike="noStrike">
-                        <a:latin typeface="Arial"/>
-                      </a:endParaRPr>
-                    </a:p>
-                    <a:p>
-                      <a:pPr>
-                        <a:lnSpc>
-                          <a:spcPct val="100000"/>
-                        </a:lnSpc>
-                        <a:tabLst>
-                          <a:tab algn="l" pos="0"/>
-                        </a:tabLst>
-                      </a:pPr>
-                      <a:endParaRPr b="0" lang="en-US" sz="1800" spc="-1" strike="noStrike">
-                        <a:latin typeface="Arial"/>
-                      </a:endParaRPr>
-                    </a:p>
-                    <a:p>
-                      <a:pPr>
-                        <a:lnSpc>
-                          <a:spcPct val="100000"/>
-                        </a:lnSpc>
-                        <a:tabLst>
-                          <a:tab algn="l" pos="0"/>
-                        </a:tabLst>
-                      </a:pPr>
                       <a:endParaRPr b="0" lang="en-US" sz="1800" spc="-1" strike="noStrike">
                         <a:latin typeface="Arial"/>
                       </a:endParaRPr>
@@ -3921,7 +3919,7 @@
                       </a:solidFill>
                     </a:lnB>
                     <a:solidFill>
-                      <a:srgbClr val="d1deef"/>
+                      <a:srgbClr val="e9eff7"/>
                     </a:solidFill>
                   </a:tcPr>
                 </a:tc>
@@ -3937,123 +3935,10 @@
                         </a:lnSpc>
                       </a:pPr>
                       <a:r>
-                        <a:rPr b="1" lang="es-MX" sz="1800" spc="-1" strike="noStrike">
-                          <a:solidFill>
-                            <a:srgbClr val="000000"/>
-                          </a:solidFill>
-                          <a:latin typeface="Calibri"/>
+                        <a:rPr b="0" lang="en-US" sz="1800" spc="-1" strike="noStrike">
+                          <a:latin typeface="Arial"/>
                         </a:rPr>
-                        <a:t>Específico</a:t>
-                      </a:r>
-                      <a:endParaRPr b="0" lang="en-US" sz="1800" spc="-1" strike="noStrike">
-                        <a:latin typeface="Arial"/>
-                      </a:endParaRPr>
-                    </a:p>
-                  </a:txBody>
-                  <a:tcPr marL="91440" marR="91440">
-                    <a:lnL w="12240">
-                      <a:solidFill>
-                        <a:srgbClr val="ffffff"/>
-                      </a:solidFill>
-                    </a:lnL>
-                    <a:lnR w="12240">
-                      <a:solidFill>
-                        <a:srgbClr val="ffffff"/>
-                      </a:solidFill>
-                    </a:lnR>
-                    <a:lnT w="12240">
-                      <a:solidFill>
-                        <a:srgbClr val="ffffff"/>
-                      </a:solidFill>
-                    </a:lnT>
-                    <a:lnB w="12240">
-                      <a:solidFill>
-                        <a:srgbClr val="ffffff"/>
-                      </a:solidFill>
-                    </a:lnB>
-                    <a:solidFill>
-                      <a:srgbClr val="d1deef"/>
-                    </a:solidFill>
-                  </a:tcPr>
-                </a:tc>
-                <a:tc>
-                  <a:tcPr marL="91440" marR="91440">
-                    <a:lnL w="12240">
-                      <a:solidFill>
-                        <a:srgbClr val="ffffff"/>
-                      </a:solidFill>
-                    </a:lnL>
-                    <a:lnR w="12240">
-                      <a:solidFill>
-                        <a:srgbClr val="ffffff"/>
-                      </a:solidFill>
-                    </a:lnR>
-                    <a:lnT w="12240">
-                      <a:solidFill>
-                        <a:srgbClr val="ffffff"/>
-                      </a:solidFill>
-                    </a:lnT>
-                    <a:lnB w="12240">
-                      <a:solidFill>
-                        <a:srgbClr val="ffffff"/>
-                      </a:solidFill>
-                    </a:lnB>
-                    <a:solidFill>
-                      <a:srgbClr val="d1deef"/>
-                    </a:solidFill>
-                  </a:tcPr>
-                </a:tc>
-                <a:tc>
-                  <a:tcPr marL="91440" marR="91440">
-                    <a:lnL w="12240">
-                      <a:solidFill>
-                        <a:srgbClr val="ffffff"/>
-                      </a:solidFill>
-                    </a:lnL>
-                    <a:lnR w="12240">
-                      <a:solidFill>
-                        <a:srgbClr val="ffffff"/>
-                      </a:solidFill>
-                    </a:lnR>
-                    <a:lnT w="12240">
-                      <a:solidFill>
-                        <a:srgbClr val="ffffff"/>
-                      </a:solidFill>
-                    </a:lnT>
-                    <a:lnB w="12240">
-                      <a:solidFill>
-                        <a:srgbClr val="ffffff"/>
-                      </a:solidFill>
-                    </a:lnB>
-                    <a:solidFill>
-                      <a:srgbClr val="d1deef"/>
-                    </a:solidFill>
-                  </a:tcPr>
-                </a:tc>
-              </a:tr>
-              <a:tr h="887760">
-                <a:tc>
-                  <a:txBody>
-                    <a:bodyPr>
-                      <a:noAutofit/>
-                    </a:bodyPr>
-                    <a:p>
-                      <a:pPr>
-                        <a:lnSpc>
-                          <a:spcPct val="100000"/>
-                        </a:lnSpc>
-                        <a:tabLst>
-                          <a:tab algn="l" pos="0"/>
-                        </a:tabLst>
-                      </a:pPr>
-                      <a:r>
-                        <a:rPr b="1" lang="es-MX" sz="1800" spc="-1" strike="noStrike">
-                          <a:solidFill>
-                            <a:srgbClr val="000000"/>
-                          </a:solidFill>
-                          <a:latin typeface="Calibri"/>
-                        </a:rPr>
-                        <a:t>Específica</a:t>
+                        <a:t>Descriptivas: Pametros y flujo de trabajo en impresión 3D.</a:t>
                       </a:r>
                       <a:endParaRPr b="0" lang="en-US" sz="1800" spc="-1" strike="noStrike">
                         <a:latin typeface="Arial"/>
@@ -4064,23 +3949,13 @@
                         <a:lnSpc>
                           <a:spcPct val="100000"/>
                         </a:lnSpc>
-                        <a:tabLst>
-                          <a:tab algn="l" pos="0"/>
-                        </a:tabLst>
                       </a:pPr>
-                      <a:endParaRPr b="0" lang="en-US" sz="1800" spc="-1" strike="noStrike">
-                        <a:latin typeface="Arial"/>
-                      </a:endParaRPr>
-                    </a:p>
-                    <a:p>
-                      <a:pPr>
-                        <a:lnSpc>
-                          <a:spcPct val="100000"/>
-                        </a:lnSpc>
-                        <a:tabLst>
-                          <a:tab algn="l" pos="0"/>
-                        </a:tabLst>
-                      </a:pPr>
+                      <a:r>
+                        <a:rPr b="0" lang="en-US" sz="1800" spc="-1" strike="noStrike">
+                          <a:latin typeface="Arial"/>
+                        </a:rPr>
+                        <a:t>Correlacionales: Tiempo, materiales, calidad</a:t>
+                      </a:r>
                       <a:endParaRPr b="0" lang="en-US" sz="1800" spc="-1" strike="noStrike">
                         <a:latin typeface="Arial"/>
                       </a:endParaRPr>
@@ -4112,31 +3987,146 @@
                     </a:solidFill>
                   </a:tcPr>
                 </a:tc>
-                <a:tc>
-                  <a:txBody>
-                    <a:bodyPr>
-                      <a:noAutofit/>
-                    </a:bodyPr>
-                    <a:p>
-                      <a:pPr>
-                        <a:lnSpc>
-                          <a:spcPct val="100000"/>
-                        </a:lnSpc>
-                      </a:pPr>
-                      <a:r>
-                        <a:rPr b="1" lang="es-MX" sz="1800" spc="-1" strike="noStrike">
-                          <a:solidFill>
-                            <a:srgbClr val="000000"/>
-                          </a:solidFill>
-                          <a:latin typeface="Calibri"/>
-                        </a:rPr>
-                        <a:t>Específico</a:t>
-                      </a:r>
-                      <a:endParaRPr b="0" lang="en-US" sz="1800" spc="-1" strike="noStrike">
-                        <a:latin typeface="Arial"/>
-                      </a:endParaRPr>
-                    </a:p>
-                  </a:txBody>
+              </a:tr>
+              <a:tr h="347760">
+                <a:tc>
+                  <a:tcPr marL="91440" marR="91440">
+                    <a:lnL w="12240">
+                      <a:solidFill>
+                        <a:srgbClr val="ffffff"/>
+                      </a:solidFill>
+                    </a:lnL>
+                    <a:lnR w="12240">
+                      <a:solidFill>
+                        <a:srgbClr val="ffffff"/>
+                      </a:solidFill>
+                    </a:lnR>
+                    <a:lnT w="12240">
+                      <a:solidFill>
+                        <a:srgbClr val="ffffff"/>
+                      </a:solidFill>
+                    </a:lnT>
+                    <a:lnB w="12240">
+                      <a:solidFill>
+                        <a:srgbClr val="ffffff"/>
+                      </a:solidFill>
+                    </a:lnB>
+                    <a:solidFill>
+                      <a:srgbClr val="d1deef"/>
+                    </a:solidFill>
+                  </a:tcPr>
+                </a:tc>
+                <a:tc>
+                  <a:tcPr marL="91440" marR="91440">
+                    <a:lnL w="12240">
+                      <a:solidFill>
+                        <a:srgbClr val="ffffff"/>
+                      </a:solidFill>
+                    </a:lnL>
+                    <a:lnR w="12240">
+                      <a:solidFill>
+                        <a:srgbClr val="ffffff"/>
+                      </a:solidFill>
+                    </a:lnR>
+                    <a:lnT w="12240">
+                      <a:solidFill>
+                        <a:srgbClr val="ffffff"/>
+                      </a:solidFill>
+                    </a:lnT>
+                    <a:lnB w="12240">
+                      <a:solidFill>
+                        <a:srgbClr val="ffffff"/>
+                      </a:solidFill>
+                    </a:lnB>
+                    <a:solidFill>
+                      <a:srgbClr val="d1deef"/>
+                    </a:solidFill>
+                  </a:tcPr>
+                </a:tc>
+                <a:tc>
+                  <a:tcPr marL="91440" marR="91440">
+                    <a:lnL w="12240">
+                      <a:solidFill>
+                        <a:srgbClr val="ffffff"/>
+                      </a:solidFill>
+                    </a:lnL>
+                    <a:lnR w="12240">
+                      <a:solidFill>
+                        <a:srgbClr val="ffffff"/>
+                      </a:solidFill>
+                    </a:lnR>
+                    <a:lnT w="12240">
+                      <a:solidFill>
+                        <a:srgbClr val="ffffff"/>
+                      </a:solidFill>
+                    </a:lnT>
+                    <a:lnB w="12240">
+                      <a:solidFill>
+                        <a:srgbClr val="ffffff"/>
+                      </a:solidFill>
+                    </a:lnB>
+                    <a:solidFill>
+                      <a:srgbClr val="d1deef"/>
+                    </a:solidFill>
+                  </a:tcPr>
+                </a:tc>
+                <a:tc>
+                  <a:tcPr marL="91440" marR="91440">
+                    <a:lnL w="12240">
+                      <a:solidFill>
+                        <a:srgbClr val="ffffff"/>
+                      </a:solidFill>
+                    </a:lnL>
+                    <a:lnR w="12240">
+                      <a:solidFill>
+                        <a:srgbClr val="ffffff"/>
+                      </a:solidFill>
+                    </a:lnR>
+                    <a:lnT w="12240">
+                      <a:solidFill>
+                        <a:srgbClr val="ffffff"/>
+                      </a:solidFill>
+                    </a:lnT>
+                    <a:lnB w="12240">
+                      <a:solidFill>
+                        <a:srgbClr val="ffffff"/>
+                      </a:solidFill>
+                    </a:lnB>
+                    <a:solidFill>
+                      <a:srgbClr val="d1deef"/>
+                    </a:solidFill>
+                  </a:tcPr>
+                </a:tc>
+              </a:tr>
+              <a:tr h="347760">
+                <a:tc>
+                  <a:tcPr marL="91440" marR="91440">
+                    <a:lnL w="12240">
+                      <a:solidFill>
+                        <a:srgbClr val="ffffff"/>
+                      </a:solidFill>
+                    </a:lnL>
+                    <a:lnR w="12240">
+                      <a:solidFill>
+                        <a:srgbClr val="ffffff"/>
+                      </a:solidFill>
+                    </a:lnR>
+                    <a:lnT w="12240">
+                      <a:solidFill>
+                        <a:srgbClr val="ffffff"/>
+                      </a:solidFill>
+                    </a:lnT>
+                    <a:lnB w="12240">
+                      <a:solidFill>
+                        <a:srgbClr val="ffffff"/>
+                      </a:solidFill>
+                    </a:lnB>
+                    <a:solidFill>
+                      <a:srgbClr val="e9eff7"/>
+                    </a:solidFill>
+                  </a:tcPr>
+                </a:tc>
+                <a:tc>
                   <a:tcPr marL="91440" marR="91440">
                     <a:lnL w="12240">
                       <a:solidFill>
@@ -4299,39 +4289,30 @@
           </a:p>
         </p:txBody>
       </p:sp>
-      <p:sp>
-        <p:nvSpPr>
-          <p:cNvPr id="47" name="TextShape 2"/>
-          <p:cNvSpPr txBox="1"/>
+      <p:pic>
+        <p:nvPicPr>
+          <p:cNvPr id="47" name="" descr=""/>
+          <p:cNvPicPr/>
           <p:nvPr/>
-        </p:nvSpPr>
+        </p:nvPicPr>
+        <p:blipFill>
+          <a:blip r:embed="rId1"/>
+          <a:srcRect l="63471" t="24350" r="8698" b="26929"/>
+          <a:stretch/>
+        </p:blipFill>
         <p:spPr>
           <a:xfrm>
-            <a:off x="838080" y="1825560"/>
-            <a:ext cx="10515240" cy="4350960"/>
+            <a:off x="3238560" y="1782000"/>
+            <a:ext cx="5448240" cy="3064320"/>
           </a:xfrm>
           <a:prstGeom prst="rect">
             <a:avLst/>
           </a:prstGeom>
-          <a:noFill/>
           <a:ln>
             <a:noFill/>
           </a:ln>
         </p:spPr>
-        <p:txBody>
-          <a:bodyPr>
-            <a:noAutofit/>
-          </a:bodyPr>
-          <a:p>
-            <a:endParaRPr b="0" lang="es-ES" sz="2800" spc="-1" strike="noStrike">
-              <a:solidFill>
-                <a:srgbClr val="000000"/>
-              </a:solidFill>
-              <a:latin typeface="Calibri"/>
-            </a:endParaRPr>
-          </a:p>
-        </p:txBody>
-      </p:sp>
+      </p:pic>
     </p:spTree>
   </p:cSld>
   <mc:AlternateContent>
